--- a/informatikaamezogazdasagban.pptx
+++ b/informatikaamezogazdasagban.pptx
@@ -298,7 +298,7 @@
           <a:p>
             <a:fld id="{21EAF7C9-6C09-49D7-B40A-D4DCB79F4ECF}" type="datetimeFigureOut">
               <a:rPr lang="hu-HU" smtClean="0"/>
-              <a:t>2022.09.19.</a:t>
+              <a:t>2022. 09. 19.</a:t>
             </a:fld>
             <a:endParaRPr lang="hu-HU" dirty="0"/>
           </a:p>
@@ -496,7 +496,7 @@
           <a:p>
             <a:fld id="{21EAF7C9-6C09-49D7-B40A-D4DCB79F4ECF}" type="datetimeFigureOut">
               <a:rPr lang="hu-HU" smtClean="0"/>
-              <a:t>2022.09.19.</a:t>
+              <a:t>2022. 09. 19.</a:t>
             </a:fld>
             <a:endParaRPr lang="hu-HU" dirty="0"/>
           </a:p>
@@ -704,7 +704,7 @@
           <a:p>
             <a:fld id="{21EAF7C9-6C09-49D7-B40A-D4DCB79F4ECF}" type="datetimeFigureOut">
               <a:rPr lang="hu-HU" smtClean="0"/>
-              <a:t>2022.09.19.</a:t>
+              <a:t>2022. 09. 19.</a:t>
             </a:fld>
             <a:endParaRPr lang="hu-HU" dirty="0"/>
           </a:p>
@@ -902,7 +902,7 @@
           <a:p>
             <a:fld id="{21EAF7C9-6C09-49D7-B40A-D4DCB79F4ECF}" type="datetimeFigureOut">
               <a:rPr lang="hu-HU" smtClean="0"/>
-              <a:t>2022.09.19.</a:t>
+              <a:t>2022. 09. 19.</a:t>
             </a:fld>
             <a:endParaRPr lang="hu-HU" dirty="0"/>
           </a:p>
@@ -1177,7 +1177,7 @@
           <a:p>
             <a:fld id="{21EAF7C9-6C09-49D7-B40A-D4DCB79F4ECF}" type="datetimeFigureOut">
               <a:rPr lang="hu-HU" smtClean="0"/>
-              <a:t>2022.09.19.</a:t>
+              <a:t>2022. 09. 19.</a:t>
             </a:fld>
             <a:endParaRPr lang="hu-HU" dirty="0"/>
           </a:p>
@@ -1442,7 +1442,7 @@
           <a:p>
             <a:fld id="{21EAF7C9-6C09-49D7-B40A-D4DCB79F4ECF}" type="datetimeFigureOut">
               <a:rPr lang="hu-HU" smtClean="0"/>
-              <a:t>2022.09.19.</a:t>
+              <a:t>2022. 09. 19.</a:t>
             </a:fld>
             <a:endParaRPr lang="hu-HU" dirty="0"/>
           </a:p>
@@ -1854,7 +1854,7 @@
           <a:p>
             <a:fld id="{21EAF7C9-6C09-49D7-B40A-D4DCB79F4ECF}" type="datetimeFigureOut">
               <a:rPr lang="hu-HU" smtClean="0"/>
-              <a:t>2022.09.19.</a:t>
+              <a:t>2022. 09. 19.</a:t>
             </a:fld>
             <a:endParaRPr lang="hu-HU" dirty="0"/>
           </a:p>
@@ -1995,7 +1995,7 @@
           <a:p>
             <a:fld id="{21EAF7C9-6C09-49D7-B40A-D4DCB79F4ECF}" type="datetimeFigureOut">
               <a:rPr lang="hu-HU" smtClean="0"/>
-              <a:t>2022.09.19.</a:t>
+              <a:t>2022. 09. 19.</a:t>
             </a:fld>
             <a:endParaRPr lang="hu-HU" dirty="0"/>
           </a:p>
@@ -2108,7 +2108,7 @@
           <a:p>
             <a:fld id="{21EAF7C9-6C09-49D7-B40A-D4DCB79F4ECF}" type="datetimeFigureOut">
               <a:rPr lang="hu-HU" smtClean="0"/>
-              <a:t>2022.09.19.</a:t>
+              <a:t>2022. 09. 19.</a:t>
             </a:fld>
             <a:endParaRPr lang="hu-HU" dirty="0"/>
           </a:p>
@@ -2419,7 +2419,7 @@
           <a:p>
             <a:fld id="{21EAF7C9-6C09-49D7-B40A-D4DCB79F4ECF}" type="datetimeFigureOut">
               <a:rPr lang="hu-HU" smtClean="0"/>
-              <a:t>2022.09.19.</a:t>
+              <a:t>2022. 09. 19.</a:t>
             </a:fld>
             <a:endParaRPr lang="hu-HU" dirty="0"/>
           </a:p>
@@ -2707,7 +2707,7 @@
           <a:p>
             <a:fld id="{21EAF7C9-6C09-49D7-B40A-D4DCB79F4ECF}" type="datetimeFigureOut">
               <a:rPr lang="hu-HU" smtClean="0"/>
-              <a:t>2022.09.19.</a:t>
+              <a:t>2022. 09. 19.</a:t>
             </a:fld>
             <a:endParaRPr lang="hu-HU" dirty="0"/>
           </a:p>
@@ -2948,7 +2948,7 @@
           <a:p>
             <a:fld id="{21EAF7C9-6C09-49D7-B40A-D4DCB79F4ECF}" type="datetimeFigureOut">
               <a:rPr lang="hu-HU" smtClean="0"/>
-              <a:t>2022.09.19.</a:t>
+              <a:t>2022. 09. 19.</a:t>
             </a:fld>
             <a:endParaRPr lang="hu-HU" dirty="0"/>
           </a:p>
@@ -3473,7 +3473,7 @@
                 <a14:useLocalDpi xmlns:a14="http://schemas.microsoft.com/office/drawing/2010/main" val="0"/>
               </a:ext>
               <a:ext uri="{96DAC541-7B7A-43D3-8B79-37D633B846F1}">
-                <asvg:svgBlip xmlns:asvg="http://schemas.microsoft.com/office/drawing/2016/SVG/main" xmlns="" r:embed="rId3"/>
+                <asvg:svgBlip xmlns:asvg="http://schemas.microsoft.com/office/drawing/2016/SVG/main" r:embed="rId3"/>
               </a:ext>
             </a:extLst>
           </a:blip>
@@ -3512,7 +3512,7 @@
                 <a14:useLocalDpi xmlns:a14="http://schemas.microsoft.com/office/drawing/2010/main" val="0"/>
               </a:ext>
               <a:ext uri="{96DAC541-7B7A-43D3-8B79-37D633B846F1}">
-                <asvg:svgBlip xmlns:asvg="http://schemas.microsoft.com/office/drawing/2016/SVG/main" xmlns="" r:embed="rId5"/>
+                <asvg:svgBlip xmlns:asvg="http://schemas.microsoft.com/office/drawing/2016/SVG/main" r:embed="rId5"/>
               </a:ext>
             </a:extLst>
           </a:blip>
@@ -4546,13 +4546,6 @@
       </p:transition>
     </mc:Fallback>
   </mc:AlternateContent>
-  <p:timing>
-    <p:tnLst>
-      <p:par>
-        <p:cTn id="1" dur="indefinite" restart="never" nodeType="tmRoot"/>
-      </p:par>
-    </p:tnLst>
-  </p:timing>
 </p:sld>
 </file>
 
@@ -4792,21 +4785,8 @@
                   <a:schemeClr val="bg1"/>
                 </a:solidFill>
               </a:rPr>
-              <a:t>https://</a:t>
-            </a:r>
-            <a:r>
-              <a:rPr lang="hu-HU" sz="3200" dirty="0" smtClean="0">
-                <a:solidFill>
-                  <a:schemeClr val="bg1"/>
-                </a:solidFill>
-              </a:rPr>
-              <a:t>mfor.hu/cikkek/befektetes/az-informatika-a-mezogazdasag-jovoje-nagyon-sok-mulhat-rajta.html</a:t>
-            </a:r>
-            <a:endParaRPr lang="hu-HU" sz="3200" dirty="0">
-              <a:solidFill>
-                <a:schemeClr val="bg1"/>
-              </a:solidFill>
-            </a:endParaRPr>
+              <a:t>https://mfor.hu/cikkek/befektetes/az-informatika-a-mezogazdasag-jovoje-nagyon-sok-mulhat-rajta.html</a:t>
+            </a:r>
           </a:p>
           <a:p>
             <a:pPr marL="457200" indent="-457200">
@@ -4847,23 +4827,7 @@
                   <a:schemeClr val="bg1"/>
                 </a:solidFill>
               </a:rPr>
-              <a:t>https://</a:t>
-            </a:r>
-            <a:r>
-              <a:rPr lang="hu-HU" sz="3200" dirty="0" smtClean="0">
-                <a:solidFill>
-                  <a:schemeClr val="bg1"/>
-                </a:solidFill>
-              </a:rPr>
-              <a:t>innoskart.digital/innoskart_magazin/informatika-az-allattenyesztesben-agrarmernok-az-informatikusok-kozott</a:t>
-            </a:r>
-            <a:r>
-              <a:rPr lang="hu-HU" sz="3200" dirty="0">
-                <a:solidFill>
-                  <a:schemeClr val="bg1"/>
-                </a:solidFill>
-              </a:rPr>
-              <a:t>/</a:t>
+              <a:t>https://innoskart.digital/innoskart_magazin/informatika-az-allattenyesztesben-agrarmernok-az-informatikusok-kozott/</a:t>
             </a:r>
           </a:p>
         </p:txBody>
@@ -5202,13 +5166,6 @@
       </p:transition>
     </mc:Fallback>
   </mc:AlternateContent>
-  <p:timing>
-    <p:tnLst>
-      <p:par>
-        <p:cTn id="1" dur="indefinite" restart="never" nodeType="tmRoot"/>
-      </p:par>
-    </p:tnLst>
-  </p:timing>
 </p:sld>
 </file>
 
@@ -5440,7 +5397,7 @@
         <p:spPr>
           <a:xfrm>
             <a:off x="275774" y="1440063"/>
-            <a:ext cx="6588044" cy="4524315"/>
+            <a:ext cx="6588044" cy="4031873"/>
           </a:xfrm>
           <a:prstGeom prst="rect">
             <a:avLst/>
@@ -5480,8 +5437,14 @@
                   <a:schemeClr val="bg1"/>
                 </a:solidFill>
               </a:rPr>
-              <a:t>adatkommunikáció, BigData, mesterséges intelligencia, </a:t>
-            </a:r>
+              <a:t>adatkommunikáció,</a:t>
+            </a:r>
+          </a:p>
+          <a:p>
+            <a:pPr marL="285750" indent="-285750">
+              <a:buFont typeface="Arial" panose="020B0604020202020204" pitchFamily="34" charset="0"/>
+              <a:buChar char="•"/>
+            </a:pPr>
             <a:r>
               <a:rPr lang="hu-HU" sz="3200" dirty="0" err="1">
                 <a:solidFill>
@@ -6525,11 +6488,6 @@
               </a:rPr>
               <a:t>fejlesztéssel párhuzamos oktatás </a:t>
             </a:r>
-            <a:endParaRPr lang="hu-HU" sz="3200" dirty="0">
-              <a:solidFill>
-                <a:schemeClr val="bg1"/>
-              </a:solidFill>
-            </a:endParaRPr>
           </a:p>
           <a:p>
             <a:pPr marL="285750" indent="-285750">
@@ -6537,20 +6495,12 @@
               <a:buChar char="•"/>
             </a:pPr>
             <a:r>
-              <a:rPr lang="hu-HU" sz="3200" dirty="0" smtClean="0">
+              <a:rPr lang="hu-HU" sz="3200" dirty="0">
                 <a:solidFill>
                   <a:schemeClr val="bg1"/>
                 </a:solidFill>
               </a:rPr>
-              <a:t>Folyamatos </a:t>
-            </a:r>
-            <a:r>
-              <a:rPr lang="hu-HU" sz="3200" dirty="0">
-                <a:solidFill>
-                  <a:schemeClr val="bg1"/>
-                </a:solidFill>
-              </a:rPr>
-              <a:t>haladás</a:t>
+              <a:t>Folyamatos haladás</a:t>
             </a:r>
           </a:p>
           <a:p>
@@ -7002,28 +6952,12 @@
               <a:buChar char="•"/>
             </a:pPr>
             <a:r>
-              <a:rPr lang="hu-HU" sz="3600" dirty="0" smtClean="0">
+              <a:rPr lang="hu-HU" sz="3600" dirty="0">
                 <a:solidFill>
                   <a:schemeClr val="bg1"/>
                 </a:solidFill>
               </a:rPr>
-              <a:t>n</a:t>
-            </a:r>
-            <a:r>
-              <a:rPr lang="hu-HU" sz="3600" dirty="0" smtClean="0">
-                <a:solidFill>
-                  <a:schemeClr val="bg1"/>
-                </a:solidFill>
-              </a:rPr>
-              <a:t>incs saját </a:t>
-            </a:r>
-            <a:r>
-              <a:rPr lang="hu-HU" sz="3600" dirty="0">
-                <a:solidFill>
-                  <a:schemeClr val="bg1"/>
-                </a:solidFill>
-              </a:rPr>
-              <a:t>IT szakember</a:t>
+              <a:t>nincs saját IT szakember</a:t>
             </a:r>
           </a:p>
           <a:p>
@@ -7037,15 +6971,7 @@
                   <a:schemeClr val="bg1"/>
                 </a:solidFill>
               </a:rPr>
-              <a:t>t</a:t>
-            </a:r>
-            <a:r>
-              <a:rPr lang="hu-HU" sz="3600" dirty="0" smtClean="0">
-                <a:solidFill>
-                  <a:schemeClr val="bg1"/>
-                </a:solidFill>
-              </a:rPr>
-              <a:t>ehercsökkenés</a:t>
+              <a:t>tehercsökkenés</a:t>
             </a:r>
           </a:p>
           <a:p>
@@ -7054,28 +6980,12 @@
               <a:buChar char="•"/>
             </a:pPr>
             <a:r>
-              <a:rPr lang="hu-HU" sz="3600" dirty="0" smtClean="0">
+              <a:rPr lang="hu-HU" sz="3600" dirty="0">
                 <a:solidFill>
                   <a:schemeClr val="bg1"/>
                 </a:solidFill>
               </a:rPr>
-              <a:t>h</a:t>
-            </a:r>
-            <a:r>
-              <a:rPr lang="hu-HU" sz="3600" dirty="0" smtClean="0">
-                <a:solidFill>
-                  <a:schemeClr val="bg1"/>
-                </a:solidFill>
-              </a:rPr>
-              <a:t>elyben azonosítható </a:t>
-            </a:r>
-            <a:r>
-              <a:rPr lang="hu-HU" sz="3600" dirty="0">
-                <a:solidFill>
-                  <a:schemeClr val="bg1"/>
-                </a:solidFill>
-              </a:rPr>
-              <a:t>a probléma</a:t>
+              <a:t>helyben azonosítható a probléma</a:t>
             </a:r>
           </a:p>
         </p:txBody>
@@ -7994,8 +7904,8 @@
         </p:nvSpPr>
         <p:spPr>
           <a:xfrm>
-            <a:off x="427219" y="1250920"/>
-            <a:ext cx="6297431" cy="4955203"/>
+            <a:off x="427219" y="1259309"/>
+            <a:ext cx="6297431" cy="4462760"/>
           </a:xfrm>
           <a:prstGeom prst="rect">
             <a:avLst/>
@@ -8018,47 +7928,7 @@
                   <a:schemeClr val="bg1"/>
                 </a:solidFill>
               </a:rPr>
-              <a:t>hatékonyság növelése, károk </a:t>
-            </a:r>
-            <a:r>
-              <a:rPr lang="hu-HU" sz="3200" dirty="0" smtClean="0">
-                <a:solidFill>
-                  <a:schemeClr val="bg1"/>
-                </a:solidFill>
-              </a:rPr>
-              <a:t>csökkentése</a:t>
-            </a:r>
-            <a:r>
-              <a:rPr lang="hu-HU" sz="3200" dirty="0">
-                <a:solidFill>
-                  <a:schemeClr val="bg1"/>
-                </a:solidFill>
-              </a:rPr>
-              <a:t> </a:t>
-            </a:r>
-            <a:r>
-              <a:rPr lang="hu-HU" sz="3200" dirty="0" smtClean="0">
-                <a:solidFill>
-                  <a:schemeClr val="bg1"/>
-                </a:solidFill>
-              </a:rPr>
-              <a:t>- </a:t>
-            </a:r>
-            <a:r>
-              <a:rPr lang="hu-HU" sz="3200" dirty="0" smtClean="0">
-                <a:solidFill>
-                  <a:schemeClr val="bg1"/>
-                </a:solidFill>
-              </a:rPr>
-              <a:t>távérzékelés </a:t>
-            </a:r>
-            <a:r>
-              <a:rPr lang="hu-HU" sz="3200" dirty="0">
-                <a:solidFill>
-                  <a:schemeClr val="bg1"/>
-                </a:solidFill>
-              </a:rPr>
-              <a:t>- precíziós technológia</a:t>
+              <a:t>hatékonyság növelése, károk csökkentése - távérzékelés - precíziós technológia</a:t>
             </a:r>
           </a:p>
           <a:p>
@@ -8087,20 +7957,6 @@
                 </a:solidFill>
               </a:rPr>
               <a:t>alapja az elektromágneses sugárzás</a:t>
-            </a:r>
-          </a:p>
-          <a:p>
-            <a:pPr marL="914400" lvl="1" indent="-457200">
-              <a:buFont typeface="Arial" panose="020B0604020202020204" pitchFamily="34" charset="0"/>
-              <a:buChar char="•"/>
-            </a:pPr>
-            <a:r>
-              <a:rPr lang="hu-HU" sz="3200" dirty="0">
-                <a:solidFill>
-                  <a:schemeClr val="bg1"/>
-                </a:solidFill>
-              </a:rPr>
-              <a:t>„spektrális ujjlenyomat”</a:t>
             </a:r>
           </a:p>
           <a:p>

--- a/informatikaamezogazdasagban.pptx
+++ b/informatikaamezogazdasagban.pptx
@@ -298,7 +298,7 @@
           <a:p>
             <a:fld id="{21EAF7C9-6C09-49D7-B40A-D4DCB79F4ECF}" type="datetimeFigureOut">
               <a:rPr lang="hu-HU" smtClean="0"/>
-              <a:t>2022. 09. 19.</a:t>
+              <a:t>2022.09.22.</a:t>
             </a:fld>
             <a:endParaRPr lang="hu-HU" dirty="0"/>
           </a:p>
@@ -496,7 +496,7 @@
           <a:p>
             <a:fld id="{21EAF7C9-6C09-49D7-B40A-D4DCB79F4ECF}" type="datetimeFigureOut">
               <a:rPr lang="hu-HU" smtClean="0"/>
-              <a:t>2022. 09. 19.</a:t>
+              <a:t>2022.09.22.</a:t>
             </a:fld>
             <a:endParaRPr lang="hu-HU" dirty="0"/>
           </a:p>
@@ -704,7 +704,7 @@
           <a:p>
             <a:fld id="{21EAF7C9-6C09-49D7-B40A-D4DCB79F4ECF}" type="datetimeFigureOut">
               <a:rPr lang="hu-HU" smtClean="0"/>
-              <a:t>2022. 09. 19.</a:t>
+              <a:t>2022.09.22.</a:t>
             </a:fld>
             <a:endParaRPr lang="hu-HU" dirty="0"/>
           </a:p>
@@ -902,7 +902,7 @@
           <a:p>
             <a:fld id="{21EAF7C9-6C09-49D7-B40A-D4DCB79F4ECF}" type="datetimeFigureOut">
               <a:rPr lang="hu-HU" smtClean="0"/>
-              <a:t>2022. 09. 19.</a:t>
+              <a:t>2022.09.22.</a:t>
             </a:fld>
             <a:endParaRPr lang="hu-HU" dirty="0"/>
           </a:p>
@@ -1177,7 +1177,7 @@
           <a:p>
             <a:fld id="{21EAF7C9-6C09-49D7-B40A-D4DCB79F4ECF}" type="datetimeFigureOut">
               <a:rPr lang="hu-HU" smtClean="0"/>
-              <a:t>2022. 09. 19.</a:t>
+              <a:t>2022.09.22.</a:t>
             </a:fld>
             <a:endParaRPr lang="hu-HU" dirty="0"/>
           </a:p>
@@ -1442,7 +1442,7 @@
           <a:p>
             <a:fld id="{21EAF7C9-6C09-49D7-B40A-D4DCB79F4ECF}" type="datetimeFigureOut">
               <a:rPr lang="hu-HU" smtClean="0"/>
-              <a:t>2022. 09. 19.</a:t>
+              <a:t>2022.09.22.</a:t>
             </a:fld>
             <a:endParaRPr lang="hu-HU" dirty="0"/>
           </a:p>
@@ -1854,7 +1854,7 @@
           <a:p>
             <a:fld id="{21EAF7C9-6C09-49D7-B40A-D4DCB79F4ECF}" type="datetimeFigureOut">
               <a:rPr lang="hu-HU" smtClean="0"/>
-              <a:t>2022. 09. 19.</a:t>
+              <a:t>2022.09.22.</a:t>
             </a:fld>
             <a:endParaRPr lang="hu-HU" dirty="0"/>
           </a:p>
@@ -1995,7 +1995,7 @@
           <a:p>
             <a:fld id="{21EAF7C9-6C09-49D7-B40A-D4DCB79F4ECF}" type="datetimeFigureOut">
               <a:rPr lang="hu-HU" smtClean="0"/>
-              <a:t>2022. 09. 19.</a:t>
+              <a:t>2022.09.22.</a:t>
             </a:fld>
             <a:endParaRPr lang="hu-HU" dirty="0"/>
           </a:p>
@@ -2108,7 +2108,7 @@
           <a:p>
             <a:fld id="{21EAF7C9-6C09-49D7-B40A-D4DCB79F4ECF}" type="datetimeFigureOut">
               <a:rPr lang="hu-HU" smtClean="0"/>
-              <a:t>2022. 09. 19.</a:t>
+              <a:t>2022.09.22.</a:t>
             </a:fld>
             <a:endParaRPr lang="hu-HU" dirty="0"/>
           </a:p>
@@ -2419,7 +2419,7 @@
           <a:p>
             <a:fld id="{21EAF7C9-6C09-49D7-B40A-D4DCB79F4ECF}" type="datetimeFigureOut">
               <a:rPr lang="hu-HU" smtClean="0"/>
-              <a:t>2022. 09. 19.</a:t>
+              <a:t>2022.09.22.</a:t>
             </a:fld>
             <a:endParaRPr lang="hu-HU" dirty="0"/>
           </a:p>
@@ -2707,7 +2707,7 @@
           <a:p>
             <a:fld id="{21EAF7C9-6C09-49D7-B40A-D4DCB79F4ECF}" type="datetimeFigureOut">
               <a:rPr lang="hu-HU" smtClean="0"/>
-              <a:t>2022. 09. 19.</a:t>
+              <a:t>2022.09.22.</a:t>
             </a:fld>
             <a:endParaRPr lang="hu-HU" dirty="0"/>
           </a:p>
@@ -2948,7 +2948,7 @@
           <a:p>
             <a:fld id="{21EAF7C9-6C09-49D7-B40A-D4DCB79F4ECF}" type="datetimeFigureOut">
               <a:rPr lang="hu-HU" smtClean="0"/>
-              <a:t>2022. 09. 19.</a:t>
+              <a:t>2022.09.22.</a:t>
             </a:fld>
             <a:endParaRPr lang="hu-HU" dirty="0"/>
           </a:p>
@@ -3473,7 +3473,7 @@
                 <a14:useLocalDpi xmlns:a14="http://schemas.microsoft.com/office/drawing/2010/main" val="0"/>
               </a:ext>
               <a:ext uri="{96DAC541-7B7A-43D3-8B79-37D633B846F1}">
-                <asvg:svgBlip xmlns:asvg="http://schemas.microsoft.com/office/drawing/2016/SVG/main" r:embed="rId3"/>
+                <asvg:svgBlip xmlns:asvg="http://schemas.microsoft.com/office/drawing/2016/SVG/main" xmlns="" r:embed="rId3"/>
               </a:ext>
             </a:extLst>
           </a:blip>
@@ -3512,7 +3512,7 @@
                 <a14:useLocalDpi xmlns:a14="http://schemas.microsoft.com/office/drawing/2010/main" val="0"/>
               </a:ext>
               <a:ext uri="{96DAC541-7B7A-43D3-8B79-37D633B846F1}">
-                <asvg:svgBlip xmlns:asvg="http://schemas.microsoft.com/office/drawing/2016/SVG/main" r:embed="rId5"/>
+                <asvg:svgBlip xmlns:asvg="http://schemas.microsoft.com/office/drawing/2016/SVG/main" xmlns="" r:embed="rId5"/>
               </a:ext>
             </a:extLst>
           </a:blip>
@@ -5166,6 +5166,13 @@
       </p:transition>
     </mc:Fallback>
   </mc:AlternateContent>
+  <p:timing>
+    <p:tnLst>
+      <p:par>
+        <p:cTn id="1" dur="indefinite" restart="never" nodeType="tmRoot"/>
+      </p:par>
+    </p:tnLst>
+  </p:timing>
 </p:sld>
 </file>
 
@@ -5564,13 +5571,17 @@
         </p:nvSpPr>
         <p:spPr>
           <a:xfrm>
-            <a:off x="6887176" y="5350986"/>
+            <a:off x="6863817" y="5410216"/>
             <a:ext cx="4960179" cy="253916"/>
           </a:xfrm>
           <a:prstGeom prst="rect">
             <a:avLst/>
           </a:prstGeom>
-          <a:noFill/>
+          <a:solidFill>
+            <a:srgbClr val="262626">
+              <a:alpha val="50000"/>
+            </a:srgbClr>
+          </a:solidFill>
         </p:spPr>
         <p:txBody>
           <a:bodyPr wrap="square">
@@ -6106,12 +6117,16 @@
         <p:spPr>
           <a:xfrm>
             <a:off x="6503906" y="5128358"/>
-            <a:ext cx="6094602" cy="261610"/>
+            <a:ext cx="4837862" cy="261610"/>
           </a:xfrm>
           <a:prstGeom prst="rect">
             <a:avLst/>
           </a:prstGeom>
-          <a:noFill/>
+          <a:solidFill>
+            <a:srgbClr val="262626">
+              <a:alpha val="50000"/>
+            </a:srgbClr>
+          </a:solidFill>
         </p:spPr>
         <p:txBody>
           <a:bodyPr wrap="square">
@@ -6463,7 +6478,7 @@
         <p:spPr>
           <a:xfrm>
             <a:off x="263302" y="1528686"/>
-            <a:ext cx="7324495" cy="3046988"/>
+            <a:ext cx="7116066" cy="3046988"/>
           </a:xfrm>
           <a:prstGeom prst="rect">
             <a:avLst/>
@@ -6558,6 +6573,72 @@
               </a:rPr>
               <a:t>A dolgozókért, nem ellenük</a:t>
             </a:r>
+          </a:p>
+        </p:txBody>
+      </p:sp>
+      <p:pic>
+        <p:nvPicPr>
+          <p:cNvPr id="3" name="Kép 2"/>
+          <p:cNvPicPr>
+            <a:picLocks noChangeAspect="1"/>
+          </p:cNvPicPr>
+          <p:nvPr/>
+        </p:nvPicPr>
+        <p:blipFill>
+          <a:blip r:embed="rId2"/>
+          <a:stretch>
+            <a:fillRect/>
+          </a:stretch>
+        </p:blipFill>
+        <p:spPr>
+          <a:xfrm>
+            <a:off x="7286782" y="2021129"/>
+            <a:ext cx="4577629" cy="2659010"/>
+          </a:xfrm>
+          <a:prstGeom prst="rect">
+            <a:avLst/>
+          </a:prstGeom>
+        </p:spPr>
+      </p:pic>
+      <p:sp>
+        <p:nvSpPr>
+          <p:cNvPr id="4" name="Téglalap 3"/>
+          <p:cNvSpPr/>
+          <p:nvPr/>
+        </p:nvSpPr>
+        <p:spPr>
+          <a:xfrm>
+            <a:off x="7502889" y="4680139"/>
+            <a:ext cx="4480563" cy="738664"/>
+          </a:xfrm>
+          <a:prstGeom prst="rect">
+            <a:avLst/>
+          </a:prstGeom>
+          <a:solidFill>
+            <a:srgbClr val="262626">
+              <a:alpha val="50000"/>
+            </a:srgbClr>
+          </a:solidFill>
+        </p:spPr>
+        <p:txBody>
+          <a:bodyPr wrap="square">
+            <a:spAutoFit/>
+          </a:bodyPr>
+          <a:lstStyle/>
+          <a:p>
+            <a:r>
+              <a:rPr lang="hu-HU" sz="1400" dirty="0" smtClean="0">
+                <a:solidFill>
+                  <a:srgbClr val="768D70"/>
+                </a:solidFill>
+              </a:rPr>
+              <a:t>https://img.freepik.com/premium-vector/young-happy-farmer-agricultural-worker-isolated_313242-1119.jpg?w=2000</a:t>
+            </a:r>
+            <a:endParaRPr lang="hu-HU" sz="1400" dirty="0">
+              <a:solidFill>
+                <a:srgbClr val="768D70"/>
+              </a:solidFill>
+            </a:endParaRPr>
           </a:p>
         </p:txBody>
       </p:sp>
@@ -7051,13 +7132,17 @@
         </p:nvSpPr>
         <p:spPr>
           <a:xfrm>
-            <a:off x="6657975" y="4378081"/>
-            <a:ext cx="6096000" cy="276999"/>
+            <a:off x="6616866" y="4450043"/>
+            <a:ext cx="5357561" cy="280692"/>
           </a:xfrm>
           <a:prstGeom prst="rect">
             <a:avLst/>
           </a:prstGeom>
-          <a:noFill/>
+          <a:solidFill>
+            <a:srgbClr val="262626">
+              <a:alpha val="50000"/>
+            </a:srgbClr>
+          </a:solidFill>
         </p:spPr>
         <p:txBody>
           <a:bodyPr wrap="square">
@@ -7542,13 +7627,17 @@
         </p:nvSpPr>
         <p:spPr>
           <a:xfrm>
-            <a:off x="6610350" y="4667241"/>
-            <a:ext cx="6096000" cy="276999"/>
+            <a:off x="6538714" y="4667241"/>
+            <a:ext cx="5197641" cy="276999"/>
           </a:xfrm>
           <a:prstGeom prst="rect">
             <a:avLst/>
           </a:prstGeom>
-          <a:noFill/>
+          <a:solidFill>
+            <a:srgbClr val="262626">
+              <a:alpha val="50000"/>
+            </a:srgbClr>
+          </a:solidFill>
         </p:spPr>
         <p:txBody>
           <a:bodyPr wrap="square">
@@ -8048,12 +8137,16 @@
         <p:spPr>
           <a:xfrm>
             <a:off x="6724650" y="4750230"/>
-            <a:ext cx="6096000" cy="461665"/>
+            <a:ext cx="5040131" cy="461665"/>
           </a:xfrm>
           <a:prstGeom prst="rect">
             <a:avLst/>
           </a:prstGeom>
-          <a:noFill/>
+          <a:solidFill>
+            <a:srgbClr val="262626">
+              <a:alpha val="50000"/>
+            </a:srgbClr>
+          </a:solidFill>
         </p:spPr>
         <p:txBody>
           <a:bodyPr wrap="square">
@@ -8600,7 +8693,11 @@
           <a:prstGeom prst="rect">
             <a:avLst/>
           </a:prstGeom>
-          <a:noFill/>
+          <a:solidFill>
+            <a:srgbClr val="262626">
+              <a:alpha val="50000"/>
+            </a:srgbClr>
+          </a:solidFill>
         </p:spPr>
         <p:txBody>
           <a:bodyPr wrap="square">
